--- a/results/Titanic GP Team 5.pptx
+++ b/results/Titanic GP Team 5.pptx
@@ -212,7 +212,7 @@
           <a:p>
             <a:fld id="{5DC4E649-E710-4E43-BBAF-EBEE7EA4877C}" type="datetimeFigureOut">
               <a:rPr lang="en-US" smtClean="0"/>
-              <a:t>2/24/2021</a:t>
+              <a:t>3/1/2021</a:t>
             </a:fld>
             <a:endParaRPr lang="en-US"/>
           </a:p>
@@ -626,7 +626,7 @@
           <a:p>
             <a:fld id="{3E4E22DE-9789-471F-8563-CA9E10E1C30C}" type="datetime1">
               <a:rPr lang="en-US" smtClean="0"/>
-              <a:t>2/24/2021</a:t>
+              <a:t>3/1/2021</a:t>
             </a:fld>
             <a:endParaRPr lang="en-US"/>
           </a:p>
@@ -824,7 +824,7 @@
           <a:p>
             <a:fld id="{AE139ABF-9A0E-4868-82BC-EC8F58B18B1B}" type="datetime1">
               <a:rPr lang="en-US" smtClean="0"/>
-              <a:t>2/24/2021</a:t>
+              <a:t>3/1/2021</a:t>
             </a:fld>
             <a:endParaRPr lang="en-US"/>
           </a:p>
@@ -1032,7 +1032,7 @@
           <a:p>
             <a:fld id="{D49EB1AF-9122-4442-A665-A2B23D262A5E}" type="datetime1">
               <a:rPr lang="en-US" smtClean="0"/>
-              <a:t>2/24/2021</a:t>
+              <a:t>3/1/2021</a:t>
             </a:fld>
             <a:endParaRPr lang="en-US"/>
           </a:p>
@@ -1230,7 +1230,7 @@
           <a:p>
             <a:fld id="{04A567EB-FA54-47B8-9045-E31A513D287F}" type="datetime1">
               <a:rPr lang="en-US" smtClean="0"/>
-              <a:t>2/24/2021</a:t>
+              <a:t>3/1/2021</a:t>
             </a:fld>
             <a:endParaRPr lang="en-US"/>
           </a:p>
@@ -1505,7 +1505,7 @@
           <a:p>
             <a:fld id="{14271BB3-E86C-487F-9713-5AEDD90169E4}" type="datetime1">
               <a:rPr lang="en-US" smtClean="0"/>
-              <a:t>2/24/2021</a:t>
+              <a:t>3/1/2021</a:t>
             </a:fld>
             <a:endParaRPr lang="en-US"/>
           </a:p>
@@ -1770,7 +1770,7 @@
           <a:p>
             <a:fld id="{DBF6BB88-E8D1-47F1-879F-DC623AE2FB8D}" type="datetime1">
               <a:rPr lang="en-US" smtClean="0"/>
-              <a:t>2/24/2021</a:t>
+              <a:t>3/1/2021</a:t>
             </a:fld>
             <a:endParaRPr lang="en-US"/>
           </a:p>
@@ -2182,7 +2182,7 @@
           <a:p>
             <a:fld id="{341E968F-868E-45E8-990F-16A1FC269247}" type="datetime1">
               <a:rPr lang="en-US" smtClean="0"/>
-              <a:t>2/24/2021</a:t>
+              <a:t>3/1/2021</a:t>
             </a:fld>
             <a:endParaRPr lang="en-US"/>
           </a:p>
@@ -2323,7 +2323,7 @@
           <a:p>
             <a:fld id="{9AA15DE3-5161-4490-97A1-7BE66A282FFF}" type="datetime1">
               <a:rPr lang="en-US" smtClean="0"/>
-              <a:t>2/24/2021</a:t>
+              <a:t>3/1/2021</a:t>
             </a:fld>
             <a:endParaRPr lang="en-US"/>
           </a:p>
@@ -2436,7 +2436,7 @@
           <a:p>
             <a:fld id="{F0F29F96-99A9-4C54-8CC0-3FE9C2714F2F}" type="datetime1">
               <a:rPr lang="en-US" smtClean="0"/>
-              <a:t>2/24/2021</a:t>
+              <a:t>3/1/2021</a:t>
             </a:fld>
             <a:endParaRPr lang="en-US"/>
           </a:p>
@@ -2747,7 +2747,7 @@
           <a:p>
             <a:fld id="{FB19B31D-CD64-418B-A6E9-D86B623AD258}" type="datetime1">
               <a:rPr lang="en-US" smtClean="0"/>
-              <a:t>2/24/2021</a:t>
+              <a:t>3/1/2021</a:t>
             </a:fld>
             <a:endParaRPr lang="en-US"/>
           </a:p>
@@ -3035,7 +3035,7 @@
           <a:p>
             <a:fld id="{43F6189F-8A1A-4B4E-93CA-2C8A0FEA12F4}" type="datetime1">
               <a:rPr lang="en-US" smtClean="0"/>
-              <a:t>2/24/2021</a:t>
+              <a:t>3/1/2021</a:t>
             </a:fld>
             <a:endParaRPr lang="en-US"/>
           </a:p>
@@ -3276,7 +3276,7 @@
           <a:p>
             <a:fld id="{2A7B7E9E-9037-4836-9918-3C0688581A90}" type="datetime1">
               <a:rPr lang="en-US" smtClean="0"/>
-              <a:t>2/24/2021</a:t>
+              <a:t>3/1/2021</a:t>
             </a:fld>
             <a:endParaRPr lang="en-US"/>
           </a:p>
@@ -4018,8 +4018,8 @@
           </a:p>
         </p:txBody>
       </p:sp>
-      <mc:AlternateContent xmlns:mc="http://schemas.openxmlformats.org/markup-compatibility/2006">
-        <mc:Choice xmlns:a14="http://schemas.microsoft.com/office/drawing/2010/main" Requires="a14">
+      <mc:AlternateContent xmlns:mc="http://schemas.openxmlformats.org/markup-compatibility/2006" xmlns:a14="http://schemas.microsoft.com/office/drawing/2010/main">
+        <mc:Choice Requires="a14">
           <p:sp>
             <p:nvSpPr>
               <p:cNvPr id="3" name="Subtitle 2">
@@ -4308,7 +4308,7 @@
             </p:txBody>
           </p:sp>
         </mc:Choice>
-        <mc:Fallback>
+        <mc:Fallback xmlns="">
           <p:sp>
             <p:nvSpPr>
               <p:cNvPr id="3" name="Subtitle 2">
@@ -4956,14 +4956,14 @@
           <p:nvPr>
             <p:extLst>
               <p:ext uri="{D42A27DB-BD31-4B8C-83A1-F6EECF244321}">
-                <p14:modId xmlns:p14="http://schemas.microsoft.com/office/powerpoint/2010/main" val="1068841478"/>
+                <p14:modId xmlns:p14="http://schemas.microsoft.com/office/powerpoint/2010/main" val="1797494488"/>
               </p:ext>
             </p:extLst>
           </p:nvPr>
         </p:nvGraphicFramePr>
         <p:xfrm>
-          <a:off x="390601" y="1161588"/>
-          <a:ext cx="10506783" cy="5238472"/>
+          <a:off x="838200" y="1223238"/>
+          <a:ext cx="10766196" cy="4379708"/>
         </p:xfrm>
         <a:graphic>
           <a:graphicData uri="http://schemas.openxmlformats.org/drawingml/2006/table">
@@ -4972,29 +4972,36 @@
                 <a:tableStyleId>{F5AB1C69-6EDB-4FF4-983F-18BD219EF322}</a:tableStyleId>
               </a:tblPr>
               <a:tblGrid>
-                <a:gridCol w="3502261">
+                <a:gridCol w="2691549">
                   <a:extLst>
                     <a:ext uri="{9D8B030D-6E8A-4147-A177-3AD203B41FA5}">
                       <a16:colId xmlns:a16="http://schemas.microsoft.com/office/drawing/2014/main" val="421781071"/>
                     </a:ext>
                   </a:extLst>
                 </a:gridCol>
-                <a:gridCol w="3502261">
+                <a:gridCol w="2691549">
                   <a:extLst>
                     <a:ext uri="{9D8B030D-6E8A-4147-A177-3AD203B41FA5}">
                       <a16:colId xmlns:a16="http://schemas.microsoft.com/office/drawing/2014/main" val="270410236"/>
                     </a:ext>
                   </a:extLst>
                 </a:gridCol>
-                <a:gridCol w="3502261">
+                <a:gridCol w="2691549">
                   <a:extLst>
                     <a:ext uri="{9D8B030D-6E8A-4147-A177-3AD203B41FA5}">
                       <a16:colId xmlns:a16="http://schemas.microsoft.com/office/drawing/2014/main" val="1391318268"/>
                     </a:ext>
                   </a:extLst>
                 </a:gridCol>
+                <a:gridCol w="2691549">
+                  <a:extLst>
+                    <a:ext uri="{9D8B030D-6E8A-4147-A177-3AD203B41FA5}">
+                      <a16:colId xmlns:a16="http://schemas.microsoft.com/office/drawing/2014/main" val="1037464100"/>
+                    </a:ext>
+                  </a:extLst>
+                </a:gridCol>
               </a:tblGrid>
-              <a:tr h="859708">
+              <a:tr h="481540">
                 <a:tc>
                   <a:txBody>
                     <a:bodyPr/>
@@ -5014,7 +5021,7 @@
                       <a:pPr algn="ctr"/>
                       <a:r>
                         <a:rPr lang="en-US" dirty="0"/>
-                        <a:t>Scenario 1</a:t>
+                        <a:t>GP 1</a:t>
                       </a:r>
                     </a:p>
                   </a:txBody>
@@ -5028,7 +5035,21 @@
                       <a:pPr algn="ctr"/>
                       <a:r>
                         <a:rPr lang="en-US" dirty="0"/>
-                        <a:t>Scenario 2</a:t>
+                        <a:t>GP 2</a:t>
+                      </a:r>
+                    </a:p>
+                  </a:txBody>
+                  <a:tcPr anchor="ctr"/>
+                </a:tc>
+                <a:tc>
+                  <a:txBody>
+                    <a:bodyPr/>
+                    <a:lstStyle/>
+                    <a:p>
+                      <a:pPr algn="ctr"/>
+                      <a:r>
+                        <a:rPr lang="en-US" dirty="0"/>
+                        <a:t>ML</a:t>
                       </a:r>
                     </a:p>
                   </a:txBody>
@@ -5040,7 +5061,7 @@
                   </a:ext>
                 </a:extLst>
               </a:tr>
-              <a:tr h="843231">
+              <a:tr h="694040">
                 <a:tc>
                   <a:txBody>
                     <a:bodyPr/>
@@ -5077,14 +5098,24 @@
                     <a:p>
                       <a:pPr algn="ctr"/>
                       <a:r>
-                        <a:rPr lang="en-US" sz="1800" dirty="0"/>
-                        <a:t>add, subtract, multiply, sin, sigmoid, </a:t>
+                        <a:rPr lang="en-US" sz="1800" b="0" i="0" u="none" dirty="0"/>
+                        <a:t>+power of 2, +cos</a:t>
                       </a:r>
+                      <a:endParaRPr lang="en-US" b="0" i="0" u="none" dirty="0"/>
+                    </a:p>
+                  </a:txBody>
+                  <a:tcPr anchor="ctr"/>
+                </a:tc>
+                <a:tc>
+                  <a:txBody>
+                    <a:bodyPr/>
+                    <a:lstStyle/>
+                    <a:p>
+                      <a:pPr algn="ctr"/>
                       <a:r>
-                        <a:rPr lang="en-US" sz="1800" b="1" dirty="0"/>
-                        <a:t>power of 2, cos</a:t>
+                        <a:rPr lang="en-US" b="1" dirty="0"/>
+                        <a:t>-</a:t>
                       </a:r>
-                      <a:endParaRPr lang="en-US" b="1" dirty="0"/>
                     </a:p>
                   </a:txBody>
                   <a:tcPr anchor="ctr"/>
@@ -5095,7 +5126,7 @@
                   </a:ext>
                 </a:extLst>
               </a:tr>
-              <a:tr h="843231">
+              <a:tr h="694040">
                 <a:tc>
                   <a:txBody>
                     <a:bodyPr/>
@@ -5136,26 +5167,36 @@
                     <a:p>
                       <a:pPr algn="ctr"/>
                       <a:r>
-                        <a:rPr lang="en-US" sz="1800" dirty="0" err="1"/>
-                        <a:t>mutUniform</a:t>
+                        <a:rPr lang="en-US" sz="1800" b="0" i="0" u="none" dirty="0"/>
+                        <a:t>+</a:t>
                       </a:r>
                       <a:r>
-                        <a:rPr lang="en-US" sz="1800" dirty="0"/>
-                        <a:t>. </a:t>
-                      </a:r>
-                      <a:r>
-                        <a:rPr lang="en-US" sz="1800" b="1" dirty="0" err="1"/>
+                        <a:rPr lang="en-US" sz="1800" b="0" i="0" u="none" dirty="0" err="1"/>
                         <a:t>mutNodeReplacement</a:t>
                       </a:r>
                       <a:r>
-                        <a:rPr lang="en-US" sz="1800" b="1" dirty="0"/>
-                        <a:t>, </a:t>
+                        <a:rPr lang="en-US" sz="1800" b="0" i="0" u="none" dirty="0"/>
+                        <a:t> +</a:t>
                       </a:r>
                       <a:r>
-                        <a:rPr lang="en-US" sz="1800" b="1" dirty="0" err="1"/>
+                        <a:rPr lang="en-US" sz="1800" b="0" i="0" u="none" dirty="0" err="1"/>
                         <a:t>mutShrink</a:t>
                       </a:r>
-                      <a:endParaRPr lang="en-US" b="1" dirty="0"/>
+                      <a:endParaRPr lang="en-US" b="0" i="0" u="none" dirty="0"/>
+                    </a:p>
+                  </a:txBody>
+                  <a:tcPr anchor="ctr"/>
+                </a:tc>
+                <a:tc>
+                  <a:txBody>
+                    <a:bodyPr/>
+                    <a:lstStyle/>
+                    <a:p>
+                      <a:pPr algn="ctr"/>
+                      <a:r>
+                        <a:rPr lang="en-US" b="1" dirty="0"/>
+                        <a:t>-</a:t>
+                      </a:r>
                     </a:p>
                   </a:txBody>
                   <a:tcPr anchor="ctr"/>
@@ -5166,7 +5207,7 @@
                   </a:ext>
                 </a:extLst>
               </a:tr>
-              <a:tr h="843231">
+              <a:tr h="472311">
                 <a:tc>
                   <a:txBody>
                     <a:bodyPr/>
@@ -5188,7 +5229,7 @@
                     <a:p>
                       <a:pPr algn="ctr"/>
                       <a:r>
-                        <a:rPr lang="en-US" b="1" dirty="0"/>
+                        <a:rPr lang="en-US" b="0" u="none" dirty="0"/>
                         <a:t>0.10</a:t>
                       </a:r>
                     </a:p>
@@ -5202,8 +5243,22 @@
                     <a:p>
                       <a:pPr algn="ctr"/>
                       <a:r>
+                        <a:rPr lang="en-US" b="0" u="none" dirty="0"/>
+                        <a:t>+0.05</a:t>
+                      </a:r>
+                    </a:p>
+                  </a:txBody>
+                  <a:tcPr anchor="ctr"/>
+                </a:tc>
+                <a:tc>
+                  <a:txBody>
+                    <a:bodyPr/>
+                    <a:lstStyle/>
+                    <a:p>
+                      <a:pPr algn="ctr"/>
+                      <a:r>
                         <a:rPr lang="en-US" b="1" dirty="0"/>
-                        <a:t>0.15</a:t>
+                        <a:t>-</a:t>
                       </a:r>
                     </a:p>
                   </a:txBody>
@@ -5215,7 +5270,7 @@
                   </a:ext>
                 </a:extLst>
               </a:tr>
-              <a:tr h="843231">
+              <a:tr h="472311">
                 <a:tc>
                   <a:txBody>
                     <a:bodyPr/>
@@ -5228,7 +5283,14 @@
                       </a:r>
                     </a:p>
                   </a:txBody>
-                  <a:tcPr anchor="ctr"/>
+                  <a:tcPr anchor="ctr">
+                    <a:solidFill>
+                      <a:schemeClr val="accent6">
+                        <a:lumMod val="40000"/>
+                        <a:lumOff val="60000"/>
+                      </a:schemeClr>
+                    </a:solidFill>
+                  </a:tcPr>
                 </a:tc>
                 <a:tc>
                   <a:txBody>
@@ -5237,16 +5299,19 @@
                     <a:p>
                       <a:pPr algn="ctr"/>
                       <a:r>
-                        <a:rPr lang="en-US" b="1" dirty="0">
-                          <a:highlight>
-                            <a:srgbClr val="00FFFF"/>
-                          </a:highlight>
-                        </a:rPr>
+                        <a:rPr lang="en-US" b="0" dirty="0"/>
                         <a:t>50</a:t>
                       </a:r>
                     </a:p>
                   </a:txBody>
-                  <a:tcPr anchor="ctr"/>
+                  <a:tcPr anchor="ctr">
+                    <a:solidFill>
+                      <a:schemeClr val="accent6">
+                        <a:lumMod val="40000"/>
+                        <a:lumOff val="60000"/>
+                      </a:schemeClr>
+                    </a:solidFill>
+                  </a:tcPr>
                 </a:tc>
                 <a:tc>
                   <a:txBody>
@@ -5255,16 +5320,40 @@
                     <a:p>
                       <a:pPr algn="ctr"/>
                       <a:r>
-                        <a:rPr lang="en-US" b="1" dirty="0">
-                          <a:highlight>
-                            <a:srgbClr val="00FFFF"/>
-                          </a:highlight>
-                        </a:rPr>
+                        <a:rPr lang="en-US" b="0" dirty="0"/>
                         <a:t>1500</a:t>
                       </a:r>
                     </a:p>
                   </a:txBody>
-                  <a:tcPr anchor="ctr"/>
+                  <a:tcPr anchor="ctr">
+                    <a:solidFill>
+                      <a:schemeClr val="accent6">
+                        <a:lumMod val="40000"/>
+                        <a:lumOff val="60000"/>
+                      </a:schemeClr>
+                    </a:solidFill>
+                  </a:tcPr>
+                </a:tc>
+                <a:tc>
+                  <a:txBody>
+                    <a:bodyPr/>
+                    <a:lstStyle/>
+                    <a:p>
+                      <a:pPr algn="ctr"/>
+                      <a:r>
+                        <a:rPr lang="en-US" b="0" dirty="0"/>
+                        <a:t>-</a:t>
+                      </a:r>
+                    </a:p>
+                  </a:txBody>
+                  <a:tcPr anchor="ctr">
+                    <a:solidFill>
+                      <a:schemeClr val="accent6">
+                        <a:lumMod val="40000"/>
+                        <a:lumOff val="60000"/>
+                      </a:schemeClr>
+                    </a:solidFill>
+                  </a:tcPr>
                 </a:tc>
                 <a:extLst>
                   <a:ext uri="{0D108BD9-81ED-4DB2-BD59-A6C34878D82A}">
@@ -5272,7 +5361,7 @@
                   </a:ext>
                 </a:extLst>
               </a:tr>
-              <a:tr h="843231">
+              <a:tr h="925386">
                 <a:tc>
                   <a:txBody>
                     <a:bodyPr/>
@@ -5281,11 +5370,18 @@
                       <a:pPr algn="ctr"/>
                       <a:r>
                         <a:rPr lang="en-US" dirty="0"/>
-                        <a:t>Result</a:t>
+                        <a:t>Performance: AUC on training</a:t>
                       </a:r>
                     </a:p>
                   </a:txBody>
-                  <a:tcPr anchor="ctr"/>
+                  <a:tcPr anchor="ctr">
+                    <a:solidFill>
+                      <a:schemeClr val="accent4">
+                        <a:lumMod val="40000"/>
+                        <a:lumOff val="60000"/>
+                      </a:schemeClr>
+                    </a:solidFill>
+                  </a:tcPr>
                 </a:tc>
                 <a:tc>
                   <a:txBody>
@@ -5294,50 +5390,19 @@
                     <a:p>
                       <a:pPr algn="ctr"/>
                       <a:r>
-                        <a:rPr lang="en-US" sz="1400" dirty="0"/>
-                        <a:t>Training AUC : </a:t>
-                      </a:r>
-                      <a:r>
-                        <a:rPr lang="en-US" sz="1400" b="1" dirty="0">
-                          <a:highlight>
-                            <a:srgbClr val="FFFF00"/>
-                          </a:highlight>
-                        </a:rPr>
-                        <a:t>0.1500</a:t>
+                        <a:rPr lang="en-US" dirty="0"/>
+                        <a:t>0.1550</a:t>
                       </a:r>
                     </a:p>
-                    <a:p>
-                      <a:pPr algn="ctr"/>
-                      <a:r>
-                        <a:rPr lang="en-US" sz="1400" dirty="0"/>
-                        <a:t>Training HOF#: 99</a:t>
-                      </a:r>
-                    </a:p>
-                    <a:p>
-                      <a:pPr algn="ctr"/>
-                      <a:r>
-                        <a:rPr lang="en-US" sz="1400" dirty="0"/>
-                        <a:t>GP: ML (validation AUC): </a:t>
-                      </a:r>
-                      <a:r>
-                        <a:rPr lang="en-US" sz="1400" b="1" dirty="0">
-                          <a:highlight>
-                            <a:srgbClr val="00FF00"/>
-                          </a:highlight>
-                        </a:rPr>
-                        <a:t>0.0283</a:t>
-                      </a:r>
-                      <a:r>
-                        <a:rPr lang="en-US" sz="1400" dirty="0"/>
-                        <a:t>: 0.0815 </a:t>
-                      </a:r>
-                    </a:p>
-                    <a:p>
-                      <a:pPr algn="ctr"/>
-                      <a:endParaRPr lang="en-US" dirty="0"/>
-                    </a:p>
                   </a:txBody>
-                  <a:tcPr anchor="ctr"/>
+                  <a:tcPr anchor="ctr">
+                    <a:solidFill>
+                      <a:schemeClr val="accent4">
+                        <a:lumMod val="40000"/>
+                        <a:lumOff val="60000"/>
+                      </a:schemeClr>
+                    </a:solidFill>
+                  </a:tcPr>
                 </a:tc>
                 <a:tc>
                   <a:txBody>
@@ -5346,58 +5411,135 @@
                     <a:p>
                       <a:pPr algn="ctr"/>
                       <a:r>
-                        <a:rPr lang="en-US" sz="1400" dirty="0"/>
-                        <a:t>Training AUC: </a:t>
-                      </a:r>
-                      <a:r>
-                        <a:rPr lang="en-US" sz="1400" b="1" dirty="0">
-                          <a:highlight>
-                            <a:srgbClr val="FFFF00"/>
-                          </a:highlight>
-                        </a:rPr>
-                        <a:t>0.1104</a:t>
+                        <a:rPr lang="en-US" dirty="0"/>
+                        <a:t>0.1125</a:t>
                       </a:r>
                     </a:p>
+                  </a:txBody>
+                  <a:tcPr anchor="ctr">
+                    <a:solidFill>
+                      <a:schemeClr val="accent4">
+                        <a:lumMod val="40000"/>
+                        <a:lumOff val="60000"/>
+                      </a:schemeClr>
+                    </a:solidFill>
+                  </a:tcPr>
+                </a:tc>
+                <a:tc>
+                  <a:txBody>
+                    <a:bodyPr/>
+                    <a:lstStyle/>
                     <a:p>
                       <a:pPr algn="ctr"/>
                       <a:r>
-                        <a:rPr lang="en-US" sz="1400" dirty="0"/>
-                        <a:t>Training HOF# (training): 563</a:t>
+                        <a:rPr lang="en-US" dirty="0"/>
+                        <a:t>-</a:t>
                       </a:r>
                     </a:p>
-                    <a:p>
-                      <a:pPr algn="ctr"/>
-                      <a:r>
-                        <a:rPr lang="en-US" sz="1400" dirty="0"/>
-                        <a:t>GP: ML (validation AUIC): </a:t>
-                      </a:r>
-                      <a:r>
-                        <a:rPr lang="en-US" sz="1400" b="1" dirty="0">
-                          <a:highlight>
-                            <a:srgbClr val="00FF00"/>
-                          </a:highlight>
-                        </a:rPr>
-                        <a:t>0.0346</a:t>
-                      </a:r>
-                      <a:r>
-                        <a:rPr lang="en-US" sz="1400" dirty="0"/>
-                        <a:t>: 0.0815 </a:t>
-                      </a:r>
-                    </a:p>
-                    <a:p>
-                      <a:pPr algn="ctr"/>
-                      <a:endParaRPr lang="en-US" dirty="0">
-                        <a:highlight>
-                          <a:srgbClr val="FFFF00"/>
-                        </a:highlight>
-                      </a:endParaRPr>
-                    </a:p>
                   </a:txBody>
-                  <a:tcPr anchor="ctr"/>
+                  <a:tcPr anchor="ctr">
+                    <a:solidFill>
+                      <a:schemeClr val="accent4">
+                        <a:lumMod val="40000"/>
+                        <a:lumOff val="60000"/>
+                      </a:schemeClr>
+                    </a:solidFill>
+                  </a:tcPr>
                 </a:tc>
                 <a:extLst>
                   <a:ext uri="{0D108BD9-81ED-4DB2-BD59-A6C34878D82A}">
                     <a16:rowId xmlns:a16="http://schemas.microsoft.com/office/drawing/2014/main" val="1398382681"/>
+                  </a:ext>
+                </a:extLst>
+              </a:tr>
+              <a:tr h="485828">
+                <a:tc>
+                  <a:txBody>
+                    <a:bodyPr/>
+                    <a:lstStyle/>
+                    <a:p>
+                      <a:pPr algn="ctr"/>
+                      <a:r>
+                        <a:rPr lang="en-US" dirty="0"/>
+                        <a:t>Performance: AUC on validation</a:t>
+                      </a:r>
+                    </a:p>
+                  </a:txBody>
+                  <a:tcPr anchor="ctr">
+                    <a:solidFill>
+                      <a:schemeClr val="accent4">
+                        <a:lumMod val="40000"/>
+                        <a:lumOff val="60000"/>
+                      </a:schemeClr>
+                    </a:solidFill>
+                  </a:tcPr>
+                </a:tc>
+                <a:tc>
+                  <a:txBody>
+                    <a:bodyPr/>
+                    <a:lstStyle/>
+                    <a:p>
+                      <a:pPr algn="ctr"/>
+                      <a:r>
+                        <a:rPr lang="en-US" dirty="0"/>
+                        <a:t>0.1019</a:t>
+                      </a:r>
+                    </a:p>
+                  </a:txBody>
+                  <a:tcPr anchor="ctr">
+                    <a:solidFill>
+                      <a:schemeClr val="accent4">
+                        <a:lumMod val="40000"/>
+                        <a:lumOff val="60000"/>
+                      </a:schemeClr>
+                    </a:solidFill>
+                  </a:tcPr>
+                </a:tc>
+                <a:tc>
+                  <a:txBody>
+                    <a:bodyPr/>
+                    <a:lstStyle/>
+                    <a:p>
+                      <a:pPr algn="ctr"/>
+                      <a:r>
+                        <a:rPr lang="en-US" dirty="0"/>
+                        <a:t>0.1305</a:t>
+                      </a:r>
+                    </a:p>
+                  </a:txBody>
+                  <a:tcPr anchor="ctr">
+                    <a:solidFill>
+                      <a:schemeClr val="accent4">
+                        <a:lumMod val="40000"/>
+                        <a:lumOff val="60000"/>
+                      </a:schemeClr>
+                    </a:solidFill>
+                  </a:tcPr>
+                </a:tc>
+                <a:tc>
+                  <a:txBody>
+                    <a:bodyPr/>
+                    <a:lstStyle/>
+                    <a:p>
+                      <a:pPr algn="ctr"/>
+                      <a:r>
+                        <a:rPr lang="en-US" dirty="0"/>
+                        <a:t>0.2379</a:t>
+                      </a:r>
+                    </a:p>
+                  </a:txBody>
+                  <a:tcPr anchor="ctr">
+                    <a:solidFill>
+                      <a:schemeClr val="accent4">
+                        <a:lumMod val="40000"/>
+                        <a:lumOff val="60000"/>
+                      </a:schemeClr>
+                    </a:solidFill>
+                  </a:tcPr>
+                </a:tc>
+                <a:extLst>
+                  <a:ext uri="{0D108BD9-81ED-4DB2-BD59-A6C34878D82A}">
+                    <a16:rowId xmlns:a16="http://schemas.microsoft.com/office/drawing/2014/main" val="2083813969"/>
                   </a:ext>
                 </a:extLst>
               </a:tr>
@@ -5503,150 +5645,6 @@
           </a:p>
         </p:txBody>
       </p:sp>
-      <p:pic>
-        <p:nvPicPr>
-          <p:cNvPr id="9" name="Picture 8" descr="Chart, line chart&#10;&#10;Description automatically generated">
-            <a:extLst>
-              <a:ext uri="{FF2B5EF4-FFF2-40B4-BE49-F238E27FC236}">
-                <a16:creationId xmlns:a16="http://schemas.microsoft.com/office/drawing/2014/main" id="{F11AF56A-6432-48BE-8701-9AD38B2F8027}"/>
-              </a:ext>
-            </a:extLst>
-          </p:cNvPr>
-          <p:cNvPicPr>
-            <a:picLocks noChangeAspect="1"/>
-          </p:cNvPicPr>
-          <p:nvPr/>
-        </p:nvPicPr>
-        <p:blipFill>
-          <a:blip r:embed="rId2">
-            <a:extLst>
-              <a:ext uri="{28A0092B-C50C-407E-A947-70E740481C1C}">
-                <a14:useLocalDpi xmlns:a14="http://schemas.microsoft.com/office/drawing/2010/main" val="0"/>
-              </a:ext>
-            </a:extLst>
-          </a:blip>
-          <a:stretch>
-            <a:fillRect/>
-          </a:stretch>
-        </p:blipFill>
-        <p:spPr>
-          <a:xfrm>
-            <a:off x="1290436" y="894320"/>
-            <a:ext cx="5039008" cy="2574336"/>
-          </a:xfrm>
-          <a:prstGeom prst="rect">
-            <a:avLst/>
-          </a:prstGeom>
-        </p:spPr>
-      </p:pic>
-      <p:pic>
-        <p:nvPicPr>
-          <p:cNvPr id="15" name="Picture 14" descr="Chart, line chart&#10;&#10;Description automatically generated">
-            <a:extLst>
-              <a:ext uri="{FF2B5EF4-FFF2-40B4-BE49-F238E27FC236}">
-                <a16:creationId xmlns:a16="http://schemas.microsoft.com/office/drawing/2014/main" id="{40BBE45A-85BE-407A-816D-218D6398FE5F}"/>
-              </a:ext>
-            </a:extLst>
-          </p:cNvPr>
-          <p:cNvPicPr>
-            <a:picLocks noChangeAspect="1"/>
-          </p:cNvPicPr>
-          <p:nvPr/>
-        </p:nvPicPr>
-        <p:blipFill>
-          <a:blip r:embed="rId3">
-            <a:extLst>
-              <a:ext uri="{28A0092B-C50C-407E-A947-70E740481C1C}">
-                <a14:useLocalDpi xmlns:a14="http://schemas.microsoft.com/office/drawing/2010/main" val="0"/>
-              </a:ext>
-            </a:extLst>
-          </a:blip>
-          <a:stretch>
-            <a:fillRect/>
-          </a:stretch>
-        </p:blipFill>
-        <p:spPr>
-          <a:xfrm>
-            <a:off x="6519212" y="839827"/>
-            <a:ext cx="5173254" cy="2642920"/>
-          </a:xfrm>
-          <a:prstGeom prst="rect">
-            <a:avLst/>
-          </a:prstGeom>
-        </p:spPr>
-      </p:pic>
-      <p:pic>
-        <p:nvPicPr>
-          <p:cNvPr id="11" name="Picture 10" descr="Chart, line chart&#10;&#10;Description automatically generated">
-            <a:extLst>
-              <a:ext uri="{FF2B5EF4-FFF2-40B4-BE49-F238E27FC236}">
-                <a16:creationId xmlns:a16="http://schemas.microsoft.com/office/drawing/2014/main" id="{D7632831-91DD-41B7-8F18-D68535A79FF3}"/>
-              </a:ext>
-            </a:extLst>
-          </p:cNvPr>
-          <p:cNvPicPr>
-            <a:picLocks noChangeAspect="1"/>
-          </p:cNvPicPr>
-          <p:nvPr/>
-        </p:nvPicPr>
-        <p:blipFill>
-          <a:blip r:embed="rId4">
-            <a:extLst>
-              <a:ext uri="{28A0092B-C50C-407E-A947-70E740481C1C}">
-                <a14:useLocalDpi xmlns:a14="http://schemas.microsoft.com/office/drawing/2010/main" val="0"/>
-              </a:ext>
-            </a:extLst>
-          </a:blip>
-          <a:stretch>
-            <a:fillRect/>
-          </a:stretch>
-        </p:blipFill>
-        <p:spPr>
-          <a:xfrm>
-            <a:off x="1351403" y="3527699"/>
-            <a:ext cx="4978041" cy="2540531"/>
-          </a:xfrm>
-          <a:prstGeom prst="rect">
-            <a:avLst/>
-          </a:prstGeom>
-        </p:spPr>
-      </p:pic>
-      <p:pic>
-        <p:nvPicPr>
-          <p:cNvPr id="17" name="Picture 16" descr="Chart, line chart&#10;&#10;Description automatically generated">
-            <a:extLst>
-              <a:ext uri="{FF2B5EF4-FFF2-40B4-BE49-F238E27FC236}">
-                <a16:creationId xmlns:a16="http://schemas.microsoft.com/office/drawing/2014/main" id="{3E335E71-ABB2-4526-AD3D-374373226D5F}"/>
-              </a:ext>
-            </a:extLst>
-          </p:cNvPr>
-          <p:cNvPicPr>
-            <a:picLocks noChangeAspect="1"/>
-          </p:cNvPicPr>
-          <p:nvPr/>
-        </p:nvPicPr>
-        <p:blipFill>
-          <a:blip r:embed="rId5">
-            <a:extLst>
-              <a:ext uri="{28A0092B-C50C-407E-A947-70E740481C1C}">
-                <a14:useLocalDpi xmlns:a14="http://schemas.microsoft.com/office/drawing/2010/main" val="0"/>
-              </a:ext>
-            </a:extLst>
-          </a:blip>
-          <a:stretch>
-            <a:fillRect/>
-          </a:stretch>
-        </p:blipFill>
-        <p:spPr>
-          <a:xfrm>
-            <a:off x="6519212" y="3482747"/>
-            <a:ext cx="5173254" cy="2630436"/>
-          </a:xfrm>
-          <a:prstGeom prst="rect">
-            <a:avLst/>
-          </a:prstGeom>
-        </p:spPr>
-      </p:pic>
       <p:sp>
         <p:nvSpPr>
           <p:cNvPr id="2" name="Title 1">
@@ -5924,6 +5922,150 @@
           </a:p>
         </p:txBody>
       </p:sp>
+      <p:pic>
+        <p:nvPicPr>
+          <p:cNvPr id="6" name="Picture 5" descr="Chart, line chart&#10;&#10;Description automatically generated">
+            <a:extLst>
+              <a:ext uri="{FF2B5EF4-FFF2-40B4-BE49-F238E27FC236}">
+                <a16:creationId xmlns:a16="http://schemas.microsoft.com/office/drawing/2014/main" id="{93B9F24D-11F3-49C8-AC6D-D086390B633B}"/>
+              </a:ext>
+            </a:extLst>
+          </p:cNvPr>
+          <p:cNvPicPr>
+            <a:picLocks noChangeAspect="1"/>
+          </p:cNvPicPr>
+          <p:nvPr/>
+        </p:nvPicPr>
+        <p:blipFill>
+          <a:blip r:embed="rId2">
+            <a:extLst>
+              <a:ext uri="{28A0092B-C50C-407E-A947-70E740481C1C}">
+                <a14:useLocalDpi xmlns:a14="http://schemas.microsoft.com/office/drawing/2010/main" val="0"/>
+              </a:ext>
+            </a:extLst>
+          </a:blip>
+          <a:stretch>
+            <a:fillRect/>
+          </a:stretch>
+        </p:blipFill>
+        <p:spPr>
+          <a:xfrm>
+            <a:off x="1616648" y="1144771"/>
+            <a:ext cx="4822927" cy="2496185"/>
+          </a:xfrm>
+          <a:prstGeom prst="rect">
+            <a:avLst/>
+          </a:prstGeom>
+        </p:spPr>
+      </p:pic>
+      <p:pic>
+        <p:nvPicPr>
+          <p:cNvPr id="9" name="Picture 8" descr="Shape&#10;&#10;Description automatically generated with low confidence">
+            <a:extLst>
+              <a:ext uri="{FF2B5EF4-FFF2-40B4-BE49-F238E27FC236}">
+                <a16:creationId xmlns:a16="http://schemas.microsoft.com/office/drawing/2014/main" id="{99B74F97-63A5-46D2-93E0-0F171D9A1A64}"/>
+              </a:ext>
+            </a:extLst>
+          </p:cNvPr>
+          <p:cNvPicPr>
+            <a:picLocks noChangeAspect="1"/>
+          </p:cNvPicPr>
+          <p:nvPr/>
+        </p:nvPicPr>
+        <p:blipFill>
+          <a:blip r:embed="rId3">
+            <a:extLst>
+              <a:ext uri="{28A0092B-C50C-407E-A947-70E740481C1C}">
+                <a14:useLocalDpi xmlns:a14="http://schemas.microsoft.com/office/drawing/2010/main" val="0"/>
+              </a:ext>
+            </a:extLst>
+          </a:blip>
+          <a:stretch>
+            <a:fillRect/>
+          </a:stretch>
+        </p:blipFill>
+        <p:spPr>
+          <a:xfrm>
+            <a:off x="1616647" y="4073389"/>
+            <a:ext cx="4822927" cy="2496185"/>
+          </a:xfrm>
+          <a:prstGeom prst="rect">
+            <a:avLst/>
+          </a:prstGeom>
+        </p:spPr>
+      </p:pic>
+      <p:pic>
+        <p:nvPicPr>
+          <p:cNvPr id="12" name="Picture 11" descr="Chart&#10;&#10;Description automatically generated">
+            <a:extLst>
+              <a:ext uri="{FF2B5EF4-FFF2-40B4-BE49-F238E27FC236}">
+                <a16:creationId xmlns:a16="http://schemas.microsoft.com/office/drawing/2014/main" id="{AD89881B-8E9B-4365-A5F1-69C3B668B11E}"/>
+              </a:ext>
+            </a:extLst>
+          </p:cNvPr>
+          <p:cNvPicPr>
+            <a:picLocks noChangeAspect="1"/>
+          </p:cNvPicPr>
+          <p:nvPr/>
+        </p:nvPicPr>
+        <p:blipFill>
+          <a:blip r:embed="rId4">
+            <a:extLst>
+              <a:ext uri="{28A0092B-C50C-407E-A947-70E740481C1C}">
+                <a14:useLocalDpi xmlns:a14="http://schemas.microsoft.com/office/drawing/2010/main" val="0"/>
+              </a:ext>
+            </a:extLst>
+          </a:blip>
+          <a:stretch>
+            <a:fillRect/>
+          </a:stretch>
+        </p:blipFill>
+        <p:spPr>
+          <a:xfrm>
+            <a:off x="6752992" y="1144771"/>
+            <a:ext cx="4822927" cy="2496185"/>
+          </a:xfrm>
+          <a:prstGeom prst="rect">
+            <a:avLst/>
+          </a:prstGeom>
+        </p:spPr>
+      </p:pic>
+      <p:pic>
+        <p:nvPicPr>
+          <p:cNvPr id="15" name="Picture 14" descr="A picture containing chart&#10;&#10;Description automatically generated">
+            <a:extLst>
+              <a:ext uri="{FF2B5EF4-FFF2-40B4-BE49-F238E27FC236}">
+                <a16:creationId xmlns:a16="http://schemas.microsoft.com/office/drawing/2014/main" id="{A9B28045-A6CB-4BDA-A5AA-2E63D44853DF}"/>
+              </a:ext>
+            </a:extLst>
+          </p:cNvPr>
+          <p:cNvPicPr>
+            <a:picLocks noChangeAspect="1"/>
+          </p:cNvPicPr>
+          <p:nvPr/>
+        </p:nvPicPr>
+        <p:blipFill>
+          <a:blip r:embed="rId5">
+            <a:extLst>
+              <a:ext uri="{28A0092B-C50C-407E-A947-70E740481C1C}">
+                <a14:useLocalDpi xmlns:a14="http://schemas.microsoft.com/office/drawing/2010/main" val="0"/>
+              </a:ext>
+            </a:extLst>
+          </a:blip>
+          <a:stretch>
+            <a:fillRect/>
+          </a:stretch>
+        </p:blipFill>
+        <p:spPr>
+          <a:xfrm>
+            <a:off x="6752993" y="4042727"/>
+            <a:ext cx="4822927" cy="2496185"/>
+          </a:xfrm>
+          <a:prstGeom prst="rect">
+            <a:avLst/>
+          </a:prstGeom>
+        </p:spPr>
+      </p:pic>
     </p:spTree>
     <p:extLst>
       <p:ext uri="{BB962C8B-B14F-4D97-AF65-F5344CB8AC3E}">

--- a/results/Titanic GP Team 5.pptx
+++ b/results/Titanic GP Team 5.pptx
@@ -212,7 +212,7 @@
           <a:p>
             <a:fld id="{5DC4E649-E710-4E43-BBAF-EBEE7EA4877C}" type="datetimeFigureOut">
               <a:rPr lang="en-US" smtClean="0"/>
-              <a:t>3/1/2021</a:t>
+              <a:t>3/3/2021</a:t>
             </a:fld>
             <a:endParaRPr lang="en-US"/>
           </a:p>
@@ -626,7 +626,7 @@
           <a:p>
             <a:fld id="{3E4E22DE-9789-471F-8563-CA9E10E1C30C}" type="datetime1">
               <a:rPr lang="en-US" smtClean="0"/>
-              <a:t>3/1/2021</a:t>
+              <a:t>3/3/2021</a:t>
             </a:fld>
             <a:endParaRPr lang="en-US"/>
           </a:p>
@@ -824,7 +824,7 @@
           <a:p>
             <a:fld id="{AE139ABF-9A0E-4868-82BC-EC8F58B18B1B}" type="datetime1">
               <a:rPr lang="en-US" smtClean="0"/>
-              <a:t>3/1/2021</a:t>
+              <a:t>3/3/2021</a:t>
             </a:fld>
             <a:endParaRPr lang="en-US"/>
           </a:p>
@@ -1032,7 +1032,7 @@
           <a:p>
             <a:fld id="{D49EB1AF-9122-4442-A665-A2B23D262A5E}" type="datetime1">
               <a:rPr lang="en-US" smtClean="0"/>
-              <a:t>3/1/2021</a:t>
+              <a:t>3/3/2021</a:t>
             </a:fld>
             <a:endParaRPr lang="en-US"/>
           </a:p>
@@ -1230,7 +1230,7 @@
           <a:p>
             <a:fld id="{04A567EB-FA54-47B8-9045-E31A513D287F}" type="datetime1">
               <a:rPr lang="en-US" smtClean="0"/>
-              <a:t>3/1/2021</a:t>
+              <a:t>3/3/2021</a:t>
             </a:fld>
             <a:endParaRPr lang="en-US"/>
           </a:p>
@@ -1505,7 +1505,7 @@
           <a:p>
             <a:fld id="{14271BB3-E86C-487F-9713-5AEDD90169E4}" type="datetime1">
               <a:rPr lang="en-US" smtClean="0"/>
-              <a:t>3/1/2021</a:t>
+              <a:t>3/3/2021</a:t>
             </a:fld>
             <a:endParaRPr lang="en-US"/>
           </a:p>
@@ -1770,7 +1770,7 @@
           <a:p>
             <a:fld id="{DBF6BB88-E8D1-47F1-879F-DC623AE2FB8D}" type="datetime1">
               <a:rPr lang="en-US" smtClean="0"/>
-              <a:t>3/1/2021</a:t>
+              <a:t>3/3/2021</a:t>
             </a:fld>
             <a:endParaRPr lang="en-US"/>
           </a:p>
@@ -2182,7 +2182,7 @@
           <a:p>
             <a:fld id="{341E968F-868E-45E8-990F-16A1FC269247}" type="datetime1">
               <a:rPr lang="en-US" smtClean="0"/>
-              <a:t>3/1/2021</a:t>
+              <a:t>3/3/2021</a:t>
             </a:fld>
             <a:endParaRPr lang="en-US"/>
           </a:p>
@@ -2323,7 +2323,7 @@
           <a:p>
             <a:fld id="{9AA15DE3-5161-4490-97A1-7BE66A282FFF}" type="datetime1">
               <a:rPr lang="en-US" smtClean="0"/>
-              <a:t>3/1/2021</a:t>
+              <a:t>3/3/2021</a:t>
             </a:fld>
             <a:endParaRPr lang="en-US"/>
           </a:p>
@@ -2436,7 +2436,7 @@
           <a:p>
             <a:fld id="{F0F29F96-99A9-4C54-8CC0-3FE9C2714F2F}" type="datetime1">
               <a:rPr lang="en-US" smtClean="0"/>
-              <a:t>3/1/2021</a:t>
+              <a:t>3/3/2021</a:t>
             </a:fld>
             <a:endParaRPr lang="en-US"/>
           </a:p>
@@ -2747,7 +2747,7 @@
           <a:p>
             <a:fld id="{FB19B31D-CD64-418B-A6E9-D86B623AD258}" type="datetime1">
               <a:rPr lang="en-US" smtClean="0"/>
-              <a:t>3/1/2021</a:t>
+              <a:t>3/3/2021</a:t>
             </a:fld>
             <a:endParaRPr lang="en-US"/>
           </a:p>
@@ -3035,7 +3035,7 @@
           <a:p>
             <a:fld id="{43F6189F-8A1A-4B4E-93CA-2C8A0FEA12F4}" type="datetime1">
               <a:rPr lang="en-US" smtClean="0"/>
-              <a:t>3/1/2021</a:t>
+              <a:t>3/3/2021</a:t>
             </a:fld>
             <a:endParaRPr lang="en-US"/>
           </a:p>
@@ -3276,7 +3276,7 @@
           <a:p>
             <a:fld id="{2A7B7E9E-9037-4836-9918-3C0688581A90}" type="datetime1">
               <a:rPr lang="en-US" smtClean="0"/>
-              <a:t>3/1/2021</a:t>
+              <a:t>3/3/2021</a:t>
             </a:fld>
             <a:endParaRPr lang="en-US"/>
           </a:p>
@@ -3862,7 +3862,7 @@
             </a:pPr>
             <a:r>
               <a:rPr lang="en-US" sz="1600" dirty="0"/>
-              <a:t>ML from Devan</a:t>
+              <a:t>ML solutions</a:t>
             </a:r>
           </a:p>
           <a:p>
@@ -3871,54 +3871,10 @@
               <a:buChar char="-"/>
             </a:pPr>
             <a:r>
-              <a:rPr lang="en-US" sz="1600" dirty="0"/>
-              <a:t>ML from Dhruv</a:t>
-            </a:r>
-          </a:p>
-          <a:p>
-            <a:pPr marL="800100" lvl="1" indent="-342900" algn="l">
-              <a:buFontTx/>
-              <a:buChar char="-"/>
-            </a:pPr>
-            <a:r>
-              <a:rPr lang="en-US" sz="1600" dirty="0"/>
-              <a:t>ML from Wolfson</a:t>
-            </a:r>
-          </a:p>
-          <a:p>
-            <a:pPr marL="800100" lvl="1" indent="-342900" algn="l">
-              <a:buFontTx/>
-              <a:buChar char="-"/>
-            </a:pPr>
-            <a:r>
-              <a:rPr lang="en-US" sz="1600" dirty="0"/>
-              <a:t>ML from </a:t>
-            </a:r>
-            <a:r>
-              <a:rPr lang="en-US" sz="1600" dirty="0" err="1"/>
-              <a:t>Kakkar</a:t>
+              <a:rPr lang="en-US" sz="1600"/>
+              <a:t>MOGP solution</a:t>
             </a:r>
             <a:endParaRPr lang="en-US" sz="1600" dirty="0"/>
-          </a:p>
-          <a:p>
-            <a:pPr marL="800100" lvl="1" indent="-342900" algn="l">
-              <a:buFontTx/>
-              <a:buChar char="-"/>
-            </a:pPr>
-            <a:r>
-              <a:rPr lang="en-US" sz="1600" dirty="0"/>
-              <a:t>ML from Zhao</a:t>
-            </a:r>
-          </a:p>
-          <a:p>
-            <a:pPr marL="800100" lvl="1" indent="-342900" algn="l">
-              <a:buFontTx/>
-              <a:buChar char="-"/>
-            </a:pPr>
-            <a:r>
-              <a:rPr lang="en-US" sz="1600" dirty="0"/>
-              <a:t>GP from team</a:t>
-            </a:r>
           </a:p>
           <a:p>
             <a:pPr algn="l"/>
